--- a/Git e Github.pptx
+++ b/Git e Github.pptx
@@ -17,6 +17,14 @@
     <p:sldId id="265" r:id="rId11"/>
     <p:sldId id="266" r:id="rId12"/>
     <p:sldId id="267" r:id="rId13"/>
+    <p:sldId id="268" r:id="rId14"/>
+    <p:sldId id="269" r:id="rId15"/>
+    <p:sldId id="270" r:id="rId16"/>
+    <p:sldId id="271" r:id="rId17"/>
+    <p:sldId id="272" r:id="rId18"/>
+    <p:sldId id="273" r:id="rId19"/>
+    <p:sldId id="274" r:id="rId20"/>
+    <p:sldId id="275" r:id="rId21"/>
   </p:sldIdLst>
   <p:sldSz cx="12192000" cy="6858000"/>
   <p:notesSz cx="6858000" cy="9144000"/>
@@ -115,6 +123,11 @@
       </a:defRPr>
     </a:lvl9pPr>
   </p:defaultTextStyle>
+  <p:extLst>
+    <p:ext uri="{EFAFB233-063F-42B5-8137-9DF3F51BA10A}">
+      <p15:sldGuideLst xmlns:p15="http://schemas.microsoft.com/office/powerpoint/2012/main"/>
+    </p:ext>
+  </p:extLst>
 </p:presentation>
 </file>
 
@@ -3755,6 +3768,776 @@
 </p:sld>
 </file>
 
+<file path=ppt/slides/slide13.xml><?xml version="1.0" encoding="utf-8"?>
+<p:sld xmlns:a="http://schemas.openxmlformats.org/drawingml/2006/main" xmlns:r="http://schemas.openxmlformats.org/officeDocument/2006/relationships" xmlns:p="http://schemas.openxmlformats.org/presentationml/2006/main">
+  <p:cSld>
+    <p:spTree>
+      <p:nvGrpSpPr>
+        <p:cNvPr id="1" name=""/>
+        <p:cNvGrpSpPr/>
+        <p:nvPr/>
+      </p:nvGrpSpPr>
+      <p:grpSpPr>
+        <a:xfrm>
+          <a:off x="0" y="0"/>
+          <a:ext cx="0" cy="0"/>
+          <a:chOff x="0" y="0"/>
+          <a:chExt cx="0" cy="0"/>
+        </a:xfrm>
+      </p:grpSpPr>
+      <p:sp>
+        <p:nvSpPr>
+          <p:cNvPr id="2" name="Título 1">
+            <a:extLst>
+              <a:ext uri="{FF2B5EF4-FFF2-40B4-BE49-F238E27FC236}">
+                <a16:creationId xmlns:a16="http://schemas.microsoft.com/office/drawing/2014/main" id="{DF42A2A4-8D59-45DF-8424-CAE6A8B5F17C}"/>
+              </a:ext>
+            </a:extLst>
+          </p:cNvPr>
+          <p:cNvSpPr>
+            <a:spLocks noGrp="1"/>
+          </p:cNvSpPr>
+          <p:nvPr>
+            <p:ph type="title"/>
+          </p:nvPr>
+        </p:nvSpPr>
+        <p:spPr/>
+        <p:txBody>
+          <a:bodyPr/>
+          <a:lstStyle/>
+          <a:p>
+            <a:endParaRPr lang="pt-BR"/>
+          </a:p>
+        </p:txBody>
+      </p:sp>
+      <p:sp>
+        <p:nvSpPr>
+          <p:cNvPr id="3" name="Espaço Reservado para Conteúdo 2">
+            <a:extLst>
+              <a:ext uri="{FF2B5EF4-FFF2-40B4-BE49-F238E27FC236}">
+                <a16:creationId xmlns:a16="http://schemas.microsoft.com/office/drawing/2014/main" id="{973FBDA4-5D17-4FD4-A4B0-05DEE031E1EC}"/>
+              </a:ext>
+            </a:extLst>
+          </p:cNvPr>
+          <p:cNvSpPr>
+            <a:spLocks noGrp="1"/>
+          </p:cNvSpPr>
+          <p:nvPr>
+            <p:ph idx="1"/>
+          </p:nvPr>
+        </p:nvSpPr>
+        <p:spPr/>
+        <p:txBody>
+          <a:bodyPr/>
+          <a:lstStyle/>
+          <a:p>
+            <a:endParaRPr lang="pt-BR"/>
+          </a:p>
+        </p:txBody>
+      </p:sp>
+      <p:pic>
+        <p:nvPicPr>
+          <p:cNvPr id="4" name="Imagem 3">
+            <a:extLst>
+              <a:ext uri="{FF2B5EF4-FFF2-40B4-BE49-F238E27FC236}">
+                <a16:creationId xmlns:a16="http://schemas.microsoft.com/office/drawing/2014/main" id="{D612BEB8-C26A-4E96-8387-F63E5B7A3E94}"/>
+              </a:ext>
+            </a:extLst>
+          </p:cNvPr>
+          <p:cNvPicPr>
+            <a:picLocks noChangeAspect="1"/>
+          </p:cNvPicPr>
+          <p:nvPr/>
+        </p:nvPicPr>
+        <p:blipFill>
+          <a:blip r:embed="rId2"/>
+          <a:stretch>
+            <a:fillRect/>
+          </a:stretch>
+        </p:blipFill>
+        <p:spPr>
+          <a:xfrm>
+            <a:off x="881062" y="733425"/>
+            <a:ext cx="10429875" cy="5391150"/>
+          </a:xfrm>
+          <a:prstGeom prst="rect">
+            <a:avLst/>
+          </a:prstGeom>
+        </p:spPr>
+      </p:pic>
+    </p:spTree>
+    <p:extLst>
+      <p:ext uri="{BB962C8B-B14F-4D97-AF65-F5344CB8AC3E}">
+        <p14:creationId xmlns:p14="http://schemas.microsoft.com/office/powerpoint/2010/main" val="1105111170"/>
+      </p:ext>
+    </p:extLst>
+  </p:cSld>
+  <p:clrMapOvr>
+    <a:masterClrMapping/>
+  </p:clrMapOvr>
+</p:sld>
+</file>
+
+<file path=ppt/slides/slide14.xml><?xml version="1.0" encoding="utf-8"?>
+<p:sld xmlns:a="http://schemas.openxmlformats.org/drawingml/2006/main" xmlns:r="http://schemas.openxmlformats.org/officeDocument/2006/relationships" xmlns:p="http://schemas.openxmlformats.org/presentationml/2006/main">
+  <p:cSld>
+    <p:spTree>
+      <p:nvGrpSpPr>
+        <p:cNvPr id="1" name=""/>
+        <p:cNvGrpSpPr/>
+        <p:nvPr/>
+      </p:nvGrpSpPr>
+      <p:grpSpPr>
+        <a:xfrm>
+          <a:off x="0" y="0"/>
+          <a:ext cx="0" cy="0"/>
+          <a:chOff x="0" y="0"/>
+          <a:chExt cx="0" cy="0"/>
+        </a:xfrm>
+      </p:grpSpPr>
+      <p:sp>
+        <p:nvSpPr>
+          <p:cNvPr id="2" name="Título 1">
+            <a:extLst>
+              <a:ext uri="{FF2B5EF4-FFF2-40B4-BE49-F238E27FC236}">
+                <a16:creationId xmlns:a16="http://schemas.microsoft.com/office/drawing/2014/main" id="{042C7E02-3060-49E5-A44D-A5547A67C55A}"/>
+              </a:ext>
+            </a:extLst>
+          </p:cNvPr>
+          <p:cNvSpPr>
+            <a:spLocks noGrp="1"/>
+          </p:cNvSpPr>
+          <p:nvPr>
+            <p:ph type="title"/>
+          </p:nvPr>
+        </p:nvSpPr>
+        <p:spPr/>
+        <p:txBody>
+          <a:bodyPr/>
+          <a:lstStyle/>
+          <a:p>
+            <a:endParaRPr lang="pt-BR"/>
+          </a:p>
+        </p:txBody>
+      </p:sp>
+      <p:sp>
+        <p:nvSpPr>
+          <p:cNvPr id="3" name="Espaço Reservado para Conteúdo 2">
+            <a:extLst>
+              <a:ext uri="{FF2B5EF4-FFF2-40B4-BE49-F238E27FC236}">
+                <a16:creationId xmlns:a16="http://schemas.microsoft.com/office/drawing/2014/main" id="{5EACB6FD-61EA-4D1C-BD34-6E523B5046AB}"/>
+              </a:ext>
+            </a:extLst>
+          </p:cNvPr>
+          <p:cNvSpPr>
+            <a:spLocks noGrp="1"/>
+          </p:cNvSpPr>
+          <p:nvPr>
+            <p:ph idx="1"/>
+          </p:nvPr>
+        </p:nvSpPr>
+        <p:spPr/>
+        <p:txBody>
+          <a:bodyPr/>
+          <a:lstStyle/>
+          <a:p>
+            <a:endParaRPr lang="pt-BR"/>
+          </a:p>
+        </p:txBody>
+      </p:sp>
+      <p:pic>
+        <p:nvPicPr>
+          <p:cNvPr id="4" name="Imagem 3">
+            <a:extLst>
+              <a:ext uri="{FF2B5EF4-FFF2-40B4-BE49-F238E27FC236}">
+                <a16:creationId xmlns:a16="http://schemas.microsoft.com/office/drawing/2014/main" id="{7E97A0AA-3B81-45C0-B630-995420D5AA43}"/>
+              </a:ext>
+            </a:extLst>
+          </p:cNvPr>
+          <p:cNvPicPr>
+            <a:picLocks noChangeAspect="1"/>
+          </p:cNvPicPr>
+          <p:nvPr/>
+        </p:nvPicPr>
+        <p:blipFill>
+          <a:blip r:embed="rId2"/>
+          <a:stretch>
+            <a:fillRect/>
+          </a:stretch>
+        </p:blipFill>
+        <p:spPr>
+          <a:xfrm>
+            <a:off x="581025" y="890587"/>
+            <a:ext cx="11029950" cy="5076825"/>
+          </a:xfrm>
+          <a:prstGeom prst="rect">
+            <a:avLst/>
+          </a:prstGeom>
+        </p:spPr>
+      </p:pic>
+    </p:spTree>
+    <p:extLst>
+      <p:ext uri="{BB962C8B-B14F-4D97-AF65-F5344CB8AC3E}">
+        <p14:creationId xmlns:p14="http://schemas.microsoft.com/office/powerpoint/2010/main" val="2706502634"/>
+      </p:ext>
+    </p:extLst>
+  </p:cSld>
+  <p:clrMapOvr>
+    <a:masterClrMapping/>
+  </p:clrMapOvr>
+</p:sld>
+</file>
+
+<file path=ppt/slides/slide15.xml><?xml version="1.0" encoding="utf-8"?>
+<p:sld xmlns:a="http://schemas.openxmlformats.org/drawingml/2006/main" xmlns:r="http://schemas.openxmlformats.org/officeDocument/2006/relationships" xmlns:p="http://schemas.openxmlformats.org/presentationml/2006/main">
+  <p:cSld>
+    <p:spTree>
+      <p:nvGrpSpPr>
+        <p:cNvPr id="1" name=""/>
+        <p:cNvGrpSpPr/>
+        <p:nvPr/>
+      </p:nvGrpSpPr>
+      <p:grpSpPr>
+        <a:xfrm>
+          <a:off x="0" y="0"/>
+          <a:ext cx="0" cy="0"/>
+          <a:chOff x="0" y="0"/>
+          <a:chExt cx="0" cy="0"/>
+        </a:xfrm>
+      </p:grpSpPr>
+      <p:sp>
+        <p:nvSpPr>
+          <p:cNvPr id="2" name="Título 1">
+            <a:extLst>
+              <a:ext uri="{FF2B5EF4-FFF2-40B4-BE49-F238E27FC236}">
+                <a16:creationId xmlns:a16="http://schemas.microsoft.com/office/drawing/2014/main" id="{432C0249-1EB1-4681-B0D9-02CE164D0465}"/>
+              </a:ext>
+            </a:extLst>
+          </p:cNvPr>
+          <p:cNvSpPr>
+            <a:spLocks noGrp="1"/>
+          </p:cNvSpPr>
+          <p:nvPr>
+            <p:ph type="title"/>
+          </p:nvPr>
+        </p:nvSpPr>
+        <p:spPr/>
+        <p:txBody>
+          <a:bodyPr/>
+          <a:lstStyle/>
+          <a:p>
+            <a:endParaRPr lang="pt-BR"/>
+          </a:p>
+        </p:txBody>
+      </p:sp>
+      <p:sp>
+        <p:nvSpPr>
+          <p:cNvPr id="3" name="Espaço Reservado para Conteúdo 2">
+            <a:extLst>
+              <a:ext uri="{FF2B5EF4-FFF2-40B4-BE49-F238E27FC236}">
+                <a16:creationId xmlns:a16="http://schemas.microsoft.com/office/drawing/2014/main" id="{1FAF363E-CE03-4BE6-B933-5A2620435C5F}"/>
+              </a:ext>
+            </a:extLst>
+          </p:cNvPr>
+          <p:cNvSpPr>
+            <a:spLocks noGrp="1"/>
+          </p:cNvSpPr>
+          <p:nvPr>
+            <p:ph idx="1"/>
+          </p:nvPr>
+        </p:nvSpPr>
+        <p:spPr/>
+        <p:txBody>
+          <a:bodyPr/>
+          <a:lstStyle/>
+          <a:p>
+            <a:endParaRPr lang="pt-BR"/>
+          </a:p>
+        </p:txBody>
+      </p:sp>
+      <p:pic>
+        <p:nvPicPr>
+          <p:cNvPr id="4" name="Imagem 3">
+            <a:extLst>
+              <a:ext uri="{FF2B5EF4-FFF2-40B4-BE49-F238E27FC236}">
+                <a16:creationId xmlns:a16="http://schemas.microsoft.com/office/drawing/2014/main" id="{D51199CF-9496-40CC-957C-E699B2CE0EB2}"/>
+              </a:ext>
+            </a:extLst>
+          </p:cNvPr>
+          <p:cNvPicPr>
+            <a:picLocks noChangeAspect="1"/>
+          </p:cNvPicPr>
+          <p:nvPr/>
+        </p:nvPicPr>
+        <p:blipFill>
+          <a:blip r:embed="rId2"/>
+          <a:stretch>
+            <a:fillRect/>
+          </a:stretch>
+        </p:blipFill>
+        <p:spPr>
+          <a:xfrm>
+            <a:off x="1023937" y="690562"/>
+            <a:ext cx="10144125" cy="5476875"/>
+          </a:xfrm>
+          <a:prstGeom prst="rect">
+            <a:avLst/>
+          </a:prstGeom>
+        </p:spPr>
+      </p:pic>
+    </p:spTree>
+    <p:extLst>
+      <p:ext uri="{BB962C8B-B14F-4D97-AF65-F5344CB8AC3E}">
+        <p14:creationId xmlns:p14="http://schemas.microsoft.com/office/powerpoint/2010/main" val="511109892"/>
+      </p:ext>
+    </p:extLst>
+  </p:cSld>
+  <p:clrMapOvr>
+    <a:masterClrMapping/>
+  </p:clrMapOvr>
+</p:sld>
+</file>
+
+<file path=ppt/slides/slide16.xml><?xml version="1.0" encoding="utf-8"?>
+<p:sld xmlns:a="http://schemas.openxmlformats.org/drawingml/2006/main" xmlns:r="http://schemas.openxmlformats.org/officeDocument/2006/relationships" xmlns:p="http://schemas.openxmlformats.org/presentationml/2006/main">
+  <p:cSld>
+    <p:spTree>
+      <p:nvGrpSpPr>
+        <p:cNvPr id="1" name=""/>
+        <p:cNvGrpSpPr/>
+        <p:nvPr/>
+      </p:nvGrpSpPr>
+      <p:grpSpPr>
+        <a:xfrm>
+          <a:off x="0" y="0"/>
+          <a:ext cx="0" cy="0"/>
+          <a:chOff x="0" y="0"/>
+          <a:chExt cx="0" cy="0"/>
+        </a:xfrm>
+      </p:grpSpPr>
+      <p:sp>
+        <p:nvSpPr>
+          <p:cNvPr id="2" name="Título 1">
+            <a:extLst>
+              <a:ext uri="{FF2B5EF4-FFF2-40B4-BE49-F238E27FC236}">
+                <a16:creationId xmlns:a16="http://schemas.microsoft.com/office/drawing/2014/main" id="{29E9D7A8-5CEC-4EE0-B883-AE3067840486}"/>
+              </a:ext>
+            </a:extLst>
+          </p:cNvPr>
+          <p:cNvSpPr>
+            <a:spLocks noGrp="1"/>
+          </p:cNvSpPr>
+          <p:nvPr>
+            <p:ph type="title"/>
+          </p:nvPr>
+        </p:nvSpPr>
+        <p:spPr/>
+        <p:txBody>
+          <a:bodyPr/>
+          <a:lstStyle/>
+          <a:p>
+            <a:endParaRPr lang="pt-BR"/>
+          </a:p>
+        </p:txBody>
+      </p:sp>
+      <p:sp>
+        <p:nvSpPr>
+          <p:cNvPr id="3" name="Espaço Reservado para Conteúdo 2">
+            <a:extLst>
+              <a:ext uri="{FF2B5EF4-FFF2-40B4-BE49-F238E27FC236}">
+                <a16:creationId xmlns:a16="http://schemas.microsoft.com/office/drawing/2014/main" id="{C9DC7882-0E76-43F4-955A-A1CDB42CED69}"/>
+              </a:ext>
+            </a:extLst>
+          </p:cNvPr>
+          <p:cNvSpPr>
+            <a:spLocks noGrp="1"/>
+          </p:cNvSpPr>
+          <p:nvPr>
+            <p:ph idx="1"/>
+          </p:nvPr>
+        </p:nvSpPr>
+        <p:spPr/>
+        <p:txBody>
+          <a:bodyPr/>
+          <a:lstStyle/>
+          <a:p>
+            <a:endParaRPr lang="pt-BR"/>
+          </a:p>
+        </p:txBody>
+      </p:sp>
+      <p:pic>
+        <p:nvPicPr>
+          <p:cNvPr id="4" name="Imagem 3">
+            <a:extLst>
+              <a:ext uri="{FF2B5EF4-FFF2-40B4-BE49-F238E27FC236}">
+                <a16:creationId xmlns:a16="http://schemas.microsoft.com/office/drawing/2014/main" id="{E180A4FD-6AF7-4C47-987E-4D53DC82BFEF}"/>
+              </a:ext>
+            </a:extLst>
+          </p:cNvPr>
+          <p:cNvPicPr>
+            <a:picLocks noChangeAspect="1"/>
+          </p:cNvPicPr>
+          <p:nvPr/>
+        </p:nvPicPr>
+        <p:blipFill>
+          <a:blip r:embed="rId2"/>
+          <a:stretch>
+            <a:fillRect/>
+          </a:stretch>
+        </p:blipFill>
+        <p:spPr>
+          <a:xfrm>
+            <a:off x="804862" y="652462"/>
+            <a:ext cx="10582275" cy="5553075"/>
+          </a:xfrm>
+          <a:prstGeom prst="rect">
+            <a:avLst/>
+          </a:prstGeom>
+        </p:spPr>
+      </p:pic>
+    </p:spTree>
+    <p:extLst>
+      <p:ext uri="{BB962C8B-B14F-4D97-AF65-F5344CB8AC3E}">
+        <p14:creationId xmlns:p14="http://schemas.microsoft.com/office/powerpoint/2010/main" val="748498063"/>
+      </p:ext>
+    </p:extLst>
+  </p:cSld>
+  <p:clrMapOvr>
+    <a:masterClrMapping/>
+  </p:clrMapOvr>
+</p:sld>
+</file>
+
+<file path=ppt/slides/slide17.xml><?xml version="1.0" encoding="utf-8"?>
+<p:sld xmlns:a="http://schemas.openxmlformats.org/drawingml/2006/main" xmlns:r="http://schemas.openxmlformats.org/officeDocument/2006/relationships" xmlns:p="http://schemas.openxmlformats.org/presentationml/2006/main">
+  <p:cSld>
+    <p:spTree>
+      <p:nvGrpSpPr>
+        <p:cNvPr id="1" name=""/>
+        <p:cNvGrpSpPr/>
+        <p:nvPr/>
+      </p:nvGrpSpPr>
+      <p:grpSpPr>
+        <a:xfrm>
+          <a:off x="0" y="0"/>
+          <a:ext cx="0" cy="0"/>
+          <a:chOff x="0" y="0"/>
+          <a:chExt cx="0" cy="0"/>
+        </a:xfrm>
+      </p:grpSpPr>
+      <p:sp>
+        <p:nvSpPr>
+          <p:cNvPr id="2" name="Título 1">
+            <a:extLst>
+              <a:ext uri="{FF2B5EF4-FFF2-40B4-BE49-F238E27FC236}">
+                <a16:creationId xmlns:a16="http://schemas.microsoft.com/office/drawing/2014/main" id="{9C943D3E-7E45-4F3F-823C-26926FF22E14}"/>
+              </a:ext>
+            </a:extLst>
+          </p:cNvPr>
+          <p:cNvSpPr>
+            <a:spLocks noGrp="1"/>
+          </p:cNvSpPr>
+          <p:nvPr>
+            <p:ph type="title"/>
+          </p:nvPr>
+        </p:nvSpPr>
+        <p:spPr/>
+        <p:txBody>
+          <a:bodyPr/>
+          <a:lstStyle/>
+          <a:p>
+            <a:endParaRPr lang="pt-BR"/>
+          </a:p>
+        </p:txBody>
+      </p:sp>
+      <p:sp>
+        <p:nvSpPr>
+          <p:cNvPr id="3" name="Espaço Reservado para Conteúdo 2">
+            <a:extLst>
+              <a:ext uri="{FF2B5EF4-FFF2-40B4-BE49-F238E27FC236}">
+                <a16:creationId xmlns:a16="http://schemas.microsoft.com/office/drawing/2014/main" id="{BBBAEE68-90F2-4DC4-A866-0FEA3A35A34F}"/>
+              </a:ext>
+            </a:extLst>
+          </p:cNvPr>
+          <p:cNvSpPr>
+            <a:spLocks noGrp="1"/>
+          </p:cNvSpPr>
+          <p:nvPr>
+            <p:ph idx="1"/>
+          </p:nvPr>
+        </p:nvSpPr>
+        <p:spPr/>
+        <p:txBody>
+          <a:bodyPr/>
+          <a:lstStyle/>
+          <a:p>
+            <a:endParaRPr lang="pt-BR" dirty="0"/>
+          </a:p>
+        </p:txBody>
+      </p:sp>
+      <p:pic>
+        <p:nvPicPr>
+          <p:cNvPr id="4" name="Imagem 3">
+            <a:extLst>
+              <a:ext uri="{FF2B5EF4-FFF2-40B4-BE49-F238E27FC236}">
+                <a16:creationId xmlns:a16="http://schemas.microsoft.com/office/drawing/2014/main" id="{ED0E3AA0-9BC5-4129-8A53-7FC3C600CE7E}"/>
+              </a:ext>
+            </a:extLst>
+          </p:cNvPr>
+          <p:cNvPicPr>
+            <a:picLocks noChangeAspect="1"/>
+          </p:cNvPicPr>
+          <p:nvPr/>
+        </p:nvPicPr>
+        <p:blipFill>
+          <a:blip r:embed="rId2"/>
+          <a:stretch>
+            <a:fillRect/>
+          </a:stretch>
+        </p:blipFill>
+        <p:spPr>
+          <a:xfrm>
+            <a:off x="604837" y="1128712"/>
+            <a:ext cx="10982325" cy="4600575"/>
+          </a:xfrm>
+          <a:prstGeom prst="rect">
+            <a:avLst/>
+          </a:prstGeom>
+        </p:spPr>
+      </p:pic>
+    </p:spTree>
+    <p:extLst>
+      <p:ext uri="{BB962C8B-B14F-4D97-AF65-F5344CB8AC3E}">
+        <p14:creationId xmlns:p14="http://schemas.microsoft.com/office/powerpoint/2010/main" val="3512946294"/>
+      </p:ext>
+    </p:extLst>
+  </p:cSld>
+  <p:clrMapOvr>
+    <a:masterClrMapping/>
+  </p:clrMapOvr>
+</p:sld>
+</file>
+
+<file path=ppt/slides/slide18.xml><?xml version="1.0" encoding="utf-8"?>
+<p:sld xmlns:a="http://schemas.openxmlformats.org/drawingml/2006/main" xmlns:r="http://schemas.openxmlformats.org/officeDocument/2006/relationships" xmlns:p="http://schemas.openxmlformats.org/presentationml/2006/main">
+  <p:cSld>
+    <p:spTree>
+      <p:nvGrpSpPr>
+        <p:cNvPr id="1" name=""/>
+        <p:cNvGrpSpPr/>
+        <p:nvPr/>
+      </p:nvGrpSpPr>
+      <p:grpSpPr>
+        <a:xfrm>
+          <a:off x="0" y="0"/>
+          <a:ext cx="0" cy="0"/>
+          <a:chOff x="0" y="0"/>
+          <a:chExt cx="0" cy="0"/>
+        </a:xfrm>
+      </p:grpSpPr>
+      <p:sp>
+        <p:nvSpPr>
+          <p:cNvPr id="2" name="Título 1">
+            <a:extLst>
+              <a:ext uri="{FF2B5EF4-FFF2-40B4-BE49-F238E27FC236}">
+                <a16:creationId xmlns:a16="http://schemas.microsoft.com/office/drawing/2014/main" id="{8D3B97DB-450E-4225-B87A-C1971B723098}"/>
+              </a:ext>
+            </a:extLst>
+          </p:cNvPr>
+          <p:cNvSpPr>
+            <a:spLocks noGrp="1"/>
+          </p:cNvSpPr>
+          <p:nvPr>
+            <p:ph type="title"/>
+          </p:nvPr>
+        </p:nvSpPr>
+        <p:spPr/>
+        <p:txBody>
+          <a:bodyPr/>
+          <a:lstStyle/>
+          <a:p>
+            <a:endParaRPr lang="pt-BR"/>
+          </a:p>
+        </p:txBody>
+      </p:sp>
+      <p:sp>
+        <p:nvSpPr>
+          <p:cNvPr id="3" name="Espaço Reservado para Conteúdo 2">
+            <a:extLst>
+              <a:ext uri="{FF2B5EF4-FFF2-40B4-BE49-F238E27FC236}">
+                <a16:creationId xmlns:a16="http://schemas.microsoft.com/office/drawing/2014/main" id="{F4A18162-D450-4870-8445-D901EE53FBD6}"/>
+              </a:ext>
+            </a:extLst>
+          </p:cNvPr>
+          <p:cNvSpPr>
+            <a:spLocks noGrp="1"/>
+          </p:cNvSpPr>
+          <p:nvPr>
+            <p:ph idx="1"/>
+          </p:nvPr>
+        </p:nvSpPr>
+        <p:spPr/>
+        <p:txBody>
+          <a:bodyPr/>
+          <a:lstStyle/>
+          <a:p>
+            <a:endParaRPr lang="pt-BR"/>
+          </a:p>
+        </p:txBody>
+      </p:sp>
+      <p:pic>
+        <p:nvPicPr>
+          <p:cNvPr id="4" name="Imagem 3">
+            <a:extLst>
+              <a:ext uri="{FF2B5EF4-FFF2-40B4-BE49-F238E27FC236}">
+                <a16:creationId xmlns:a16="http://schemas.microsoft.com/office/drawing/2014/main" id="{C598193F-F310-4CDE-8F99-01770D393AA9}"/>
+              </a:ext>
+            </a:extLst>
+          </p:cNvPr>
+          <p:cNvPicPr>
+            <a:picLocks noChangeAspect="1"/>
+          </p:cNvPicPr>
+          <p:nvPr/>
+        </p:nvPicPr>
+        <p:blipFill>
+          <a:blip r:embed="rId2"/>
+          <a:stretch>
+            <a:fillRect/>
+          </a:stretch>
+        </p:blipFill>
+        <p:spPr>
+          <a:xfrm>
+            <a:off x="933450" y="1057275"/>
+            <a:ext cx="10325100" cy="4743450"/>
+          </a:xfrm>
+          <a:prstGeom prst="rect">
+            <a:avLst/>
+          </a:prstGeom>
+        </p:spPr>
+      </p:pic>
+    </p:spTree>
+    <p:extLst>
+      <p:ext uri="{BB962C8B-B14F-4D97-AF65-F5344CB8AC3E}">
+        <p14:creationId xmlns:p14="http://schemas.microsoft.com/office/powerpoint/2010/main" val="946468448"/>
+      </p:ext>
+    </p:extLst>
+  </p:cSld>
+  <p:clrMapOvr>
+    <a:masterClrMapping/>
+  </p:clrMapOvr>
+</p:sld>
+</file>
+
+<file path=ppt/slides/slide19.xml><?xml version="1.0" encoding="utf-8"?>
+<p:sld xmlns:a="http://schemas.openxmlformats.org/drawingml/2006/main" xmlns:r="http://schemas.openxmlformats.org/officeDocument/2006/relationships" xmlns:p="http://schemas.openxmlformats.org/presentationml/2006/main">
+  <p:cSld>
+    <p:spTree>
+      <p:nvGrpSpPr>
+        <p:cNvPr id="1" name=""/>
+        <p:cNvGrpSpPr/>
+        <p:nvPr/>
+      </p:nvGrpSpPr>
+      <p:grpSpPr>
+        <a:xfrm>
+          <a:off x="0" y="0"/>
+          <a:ext cx="0" cy="0"/>
+          <a:chOff x="0" y="0"/>
+          <a:chExt cx="0" cy="0"/>
+        </a:xfrm>
+      </p:grpSpPr>
+      <p:sp>
+        <p:nvSpPr>
+          <p:cNvPr id="2" name="Título 1">
+            <a:extLst>
+              <a:ext uri="{FF2B5EF4-FFF2-40B4-BE49-F238E27FC236}">
+                <a16:creationId xmlns:a16="http://schemas.microsoft.com/office/drawing/2014/main" id="{2F81B148-DF61-486B-9606-089A9C9B5384}"/>
+              </a:ext>
+            </a:extLst>
+          </p:cNvPr>
+          <p:cNvSpPr>
+            <a:spLocks noGrp="1"/>
+          </p:cNvSpPr>
+          <p:nvPr>
+            <p:ph type="title"/>
+          </p:nvPr>
+        </p:nvSpPr>
+        <p:spPr/>
+        <p:txBody>
+          <a:bodyPr/>
+          <a:lstStyle/>
+          <a:p>
+            <a:endParaRPr lang="pt-BR"/>
+          </a:p>
+        </p:txBody>
+      </p:sp>
+      <p:sp>
+        <p:nvSpPr>
+          <p:cNvPr id="3" name="Espaço Reservado para Conteúdo 2">
+            <a:extLst>
+              <a:ext uri="{FF2B5EF4-FFF2-40B4-BE49-F238E27FC236}">
+                <a16:creationId xmlns:a16="http://schemas.microsoft.com/office/drawing/2014/main" id="{24A1CA7D-3009-4D4A-8261-07A833DFEE84}"/>
+              </a:ext>
+            </a:extLst>
+          </p:cNvPr>
+          <p:cNvSpPr>
+            <a:spLocks noGrp="1"/>
+          </p:cNvSpPr>
+          <p:nvPr>
+            <p:ph idx="1"/>
+          </p:nvPr>
+        </p:nvSpPr>
+        <p:spPr/>
+        <p:txBody>
+          <a:bodyPr/>
+          <a:lstStyle/>
+          <a:p>
+            <a:endParaRPr lang="pt-BR"/>
+          </a:p>
+        </p:txBody>
+      </p:sp>
+      <p:pic>
+        <p:nvPicPr>
+          <p:cNvPr id="4" name="Imagem 3">
+            <a:extLst>
+              <a:ext uri="{FF2B5EF4-FFF2-40B4-BE49-F238E27FC236}">
+                <a16:creationId xmlns:a16="http://schemas.microsoft.com/office/drawing/2014/main" id="{163689B1-EC6D-44D1-8E79-815FE3E78C78}"/>
+              </a:ext>
+            </a:extLst>
+          </p:cNvPr>
+          <p:cNvPicPr>
+            <a:picLocks noChangeAspect="1"/>
+          </p:cNvPicPr>
+          <p:nvPr/>
+        </p:nvPicPr>
+        <p:blipFill>
+          <a:blip r:embed="rId2"/>
+          <a:stretch>
+            <a:fillRect/>
+          </a:stretch>
+        </p:blipFill>
+        <p:spPr>
+          <a:xfrm>
+            <a:off x="1757362" y="552450"/>
+            <a:ext cx="8677275" cy="5753100"/>
+          </a:xfrm>
+          <a:prstGeom prst="rect">
+            <a:avLst/>
+          </a:prstGeom>
+        </p:spPr>
+      </p:pic>
+    </p:spTree>
+    <p:extLst>
+      <p:ext uri="{BB962C8B-B14F-4D97-AF65-F5344CB8AC3E}">
+        <p14:creationId xmlns:p14="http://schemas.microsoft.com/office/powerpoint/2010/main" val="2707662855"/>
+      </p:ext>
+    </p:extLst>
+  </p:cSld>
+  <p:clrMapOvr>
+    <a:masterClrMapping/>
+  </p:clrMapOvr>
+</p:sld>
+</file>
+
 <file path=ppt/slides/slide2.xml><?xml version="1.0" encoding="utf-8"?>
 <p:sld xmlns:a="http://schemas.openxmlformats.org/drawingml/2006/main" xmlns:r="http://schemas.openxmlformats.org/officeDocument/2006/relationships" xmlns:p="http://schemas.openxmlformats.org/presentationml/2006/main">
   <p:cSld>
@@ -3856,6 +4639,116 @@
     <p:extLst>
       <p:ext uri="{BB962C8B-B14F-4D97-AF65-F5344CB8AC3E}">
         <p14:creationId xmlns:p14="http://schemas.microsoft.com/office/powerpoint/2010/main" val="2474694290"/>
+      </p:ext>
+    </p:extLst>
+  </p:cSld>
+  <p:clrMapOvr>
+    <a:masterClrMapping/>
+  </p:clrMapOvr>
+</p:sld>
+</file>
+
+<file path=ppt/slides/slide20.xml><?xml version="1.0" encoding="utf-8"?>
+<p:sld xmlns:a="http://schemas.openxmlformats.org/drawingml/2006/main" xmlns:r="http://schemas.openxmlformats.org/officeDocument/2006/relationships" xmlns:p="http://schemas.openxmlformats.org/presentationml/2006/main">
+  <p:cSld>
+    <p:spTree>
+      <p:nvGrpSpPr>
+        <p:cNvPr id="1" name=""/>
+        <p:cNvGrpSpPr/>
+        <p:nvPr/>
+      </p:nvGrpSpPr>
+      <p:grpSpPr>
+        <a:xfrm>
+          <a:off x="0" y="0"/>
+          <a:ext cx="0" cy="0"/>
+          <a:chOff x="0" y="0"/>
+          <a:chExt cx="0" cy="0"/>
+        </a:xfrm>
+      </p:grpSpPr>
+      <p:sp>
+        <p:nvSpPr>
+          <p:cNvPr id="2" name="Título 1">
+            <a:extLst>
+              <a:ext uri="{FF2B5EF4-FFF2-40B4-BE49-F238E27FC236}">
+                <a16:creationId xmlns:a16="http://schemas.microsoft.com/office/drawing/2014/main" id="{CC648C11-F7B6-4F41-812D-BAF323DAB0C7}"/>
+              </a:ext>
+            </a:extLst>
+          </p:cNvPr>
+          <p:cNvSpPr>
+            <a:spLocks noGrp="1"/>
+          </p:cNvSpPr>
+          <p:nvPr>
+            <p:ph type="title"/>
+          </p:nvPr>
+        </p:nvSpPr>
+        <p:spPr/>
+        <p:txBody>
+          <a:bodyPr/>
+          <a:lstStyle/>
+          <a:p>
+            <a:endParaRPr lang="pt-BR"/>
+          </a:p>
+        </p:txBody>
+      </p:sp>
+      <p:sp>
+        <p:nvSpPr>
+          <p:cNvPr id="3" name="Espaço Reservado para Conteúdo 2">
+            <a:extLst>
+              <a:ext uri="{FF2B5EF4-FFF2-40B4-BE49-F238E27FC236}">
+                <a16:creationId xmlns:a16="http://schemas.microsoft.com/office/drawing/2014/main" id="{4382E506-45E7-4A9F-AFB5-83B2049FD15F}"/>
+              </a:ext>
+            </a:extLst>
+          </p:cNvPr>
+          <p:cNvSpPr>
+            <a:spLocks noGrp="1"/>
+          </p:cNvSpPr>
+          <p:nvPr>
+            <p:ph idx="1"/>
+          </p:nvPr>
+        </p:nvSpPr>
+        <p:spPr/>
+        <p:txBody>
+          <a:bodyPr/>
+          <a:lstStyle/>
+          <a:p>
+            <a:endParaRPr lang="pt-BR"/>
+          </a:p>
+        </p:txBody>
+      </p:sp>
+      <p:pic>
+        <p:nvPicPr>
+          <p:cNvPr id="4" name="Imagem 3">
+            <a:extLst>
+              <a:ext uri="{FF2B5EF4-FFF2-40B4-BE49-F238E27FC236}">
+                <a16:creationId xmlns:a16="http://schemas.microsoft.com/office/drawing/2014/main" id="{50536351-DDAC-4BD0-B389-42C16BBAA804}"/>
+              </a:ext>
+            </a:extLst>
+          </p:cNvPr>
+          <p:cNvPicPr>
+            <a:picLocks noChangeAspect="1"/>
+          </p:cNvPicPr>
+          <p:nvPr/>
+        </p:nvPicPr>
+        <p:blipFill>
+          <a:blip r:embed="rId2"/>
+          <a:stretch>
+            <a:fillRect/>
+          </a:stretch>
+        </p:blipFill>
+        <p:spPr>
+          <a:xfrm>
+            <a:off x="728662" y="709612"/>
+            <a:ext cx="10734675" cy="5438775"/>
+          </a:xfrm>
+          <a:prstGeom prst="rect">
+            <a:avLst/>
+          </a:prstGeom>
+        </p:spPr>
+      </p:pic>
+    </p:spTree>
+    <p:extLst>
+      <p:ext uri="{BB962C8B-B14F-4D97-AF65-F5344CB8AC3E}">
+        <p14:creationId xmlns:p14="http://schemas.microsoft.com/office/powerpoint/2010/main" val="1003154472"/>
       </p:ext>
     </p:extLst>
   </p:cSld>

--- a/Git e Github.pptx
+++ b/Git e Github.pptx
@@ -25,6 +25,14 @@
     <p:sldId id="273" r:id="rId19"/>
     <p:sldId id="274" r:id="rId20"/>
     <p:sldId id="275" r:id="rId21"/>
+    <p:sldId id="276" r:id="rId22"/>
+    <p:sldId id="277" r:id="rId23"/>
+    <p:sldId id="278" r:id="rId24"/>
+    <p:sldId id="279" r:id="rId25"/>
+    <p:sldId id="280" r:id="rId26"/>
+    <p:sldId id="281" r:id="rId27"/>
+    <p:sldId id="282" r:id="rId28"/>
+    <p:sldId id="283" r:id="rId29"/>
   </p:sldIdLst>
   <p:sldSz cx="12192000" cy="6858000"/>
   <p:notesSz cx="6858000" cy="9144000"/>
@@ -3417,8 +3425,8 @@
         </p:blipFill>
         <p:spPr>
           <a:xfrm>
-            <a:off x="223837" y="600075"/>
-            <a:ext cx="11744325" cy="5657850"/>
+            <a:off x="0" y="0"/>
+            <a:ext cx="12192000" cy="6858000"/>
           </a:xfrm>
           <a:prstGeom prst="rect">
             <a:avLst/>
@@ -4627,8 +4635,8 @@
         </p:blipFill>
         <p:spPr>
           <a:xfrm>
-            <a:off x="762000" y="614362"/>
-            <a:ext cx="10668000" cy="5629275"/>
+            <a:off x="0" y="0"/>
+            <a:ext cx="12192000" cy="6858000"/>
           </a:xfrm>
           <a:prstGeom prst="rect">
             <a:avLst/>
@@ -4758,6 +4766,886 @@
 </p:sld>
 </file>
 
+<file path=ppt/slides/slide21.xml><?xml version="1.0" encoding="utf-8"?>
+<p:sld xmlns:a="http://schemas.openxmlformats.org/drawingml/2006/main" xmlns:r="http://schemas.openxmlformats.org/officeDocument/2006/relationships" xmlns:p="http://schemas.openxmlformats.org/presentationml/2006/main">
+  <p:cSld>
+    <p:spTree>
+      <p:nvGrpSpPr>
+        <p:cNvPr id="1" name=""/>
+        <p:cNvGrpSpPr/>
+        <p:nvPr/>
+      </p:nvGrpSpPr>
+      <p:grpSpPr>
+        <a:xfrm>
+          <a:off x="0" y="0"/>
+          <a:ext cx="0" cy="0"/>
+          <a:chOff x="0" y="0"/>
+          <a:chExt cx="0" cy="0"/>
+        </a:xfrm>
+      </p:grpSpPr>
+      <p:sp>
+        <p:nvSpPr>
+          <p:cNvPr id="2" name="Título 1">
+            <a:extLst>
+              <a:ext uri="{FF2B5EF4-FFF2-40B4-BE49-F238E27FC236}">
+                <a16:creationId xmlns:a16="http://schemas.microsoft.com/office/drawing/2014/main" id="{2A0E0E65-BAE1-4692-8078-E42CABF8F598}"/>
+              </a:ext>
+            </a:extLst>
+          </p:cNvPr>
+          <p:cNvSpPr>
+            <a:spLocks noGrp="1"/>
+          </p:cNvSpPr>
+          <p:nvPr>
+            <p:ph type="title"/>
+          </p:nvPr>
+        </p:nvSpPr>
+        <p:spPr/>
+        <p:txBody>
+          <a:bodyPr/>
+          <a:lstStyle/>
+          <a:p>
+            <a:endParaRPr lang="pt-BR"/>
+          </a:p>
+        </p:txBody>
+      </p:sp>
+      <p:sp>
+        <p:nvSpPr>
+          <p:cNvPr id="3" name="Espaço Reservado para Conteúdo 2">
+            <a:extLst>
+              <a:ext uri="{FF2B5EF4-FFF2-40B4-BE49-F238E27FC236}">
+                <a16:creationId xmlns:a16="http://schemas.microsoft.com/office/drawing/2014/main" id="{380B3816-812F-4032-8B7F-B271715F66BC}"/>
+              </a:ext>
+            </a:extLst>
+          </p:cNvPr>
+          <p:cNvSpPr>
+            <a:spLocks noGrp="1"/>
+          </p:cNvSpPr>
+          <p:nvPr>
+            <p:ph idx="1"/>
+          </p:nvPr>
+        </p:nvSpPr>
+        <p:spPr/>
+        <p:txBody>
+          <a:bodyPr/>
+          <a:lstStyle/>
+          <a:p>
+            <a:endParaRPr lang="pt-BR"/>
+          </a:p>
+        </p:txBody>
+      </p:sp>
+      <p:pic>
+        <p:nvPicPr>
+          <p:cNvPr id="4" name="Imagem 3">
+            <a:extLst>
+              <a:ext uri="{FF2B5EF4-FFF2-40B4-BE49-F238E27FC236}">
+                <a16:creationId xmlns:a16="http://schemas.microsoft.com/office/drawing/2014/main" id="{8D9DE99B-6BEC-4C9D-AB15-F715242225ED}"/>
+              </a:ext>
+            </a:extLst>
+          </p:cNvPr>
+          <p:cNvPicPr>
+            <a:picLocks noChangeAspect="1"/>
+          </p:cNvPicPr>
+          <p:nvPr/>
+        </p:nvPicPr>
+        <p:blipFill>
+          <a:blip r:embed="rId2"/>
+          <a:stretch>
+            <a:fillRect/>
+          </a:stretch>
+        </p:blipFill>
+        <p:spPr>
+          <a:xfrm>
+            <a:off x="1466850" y="590550"/>
+            <a:ext cx="9258300" cy="5676900"/>
+          </a:xfrm>
+          <a:prstGeom prst="rect">
+            <a:avLst/>
+          </a:prstGeom>
+        </p:spPr>
+      </p:pic>
+    </p:spTree>
+    <p:extLst>
+      <p:ext uri="{BB962C8B-B14F-4D97-AF65-F5344CB8AC3E}">
+        <p14:creationId xmlns:p14="http://schemas.microsoft.com/office/powerpoint/2010/main" val="769961767"/>
+      </p:ext>
+    </p:extLst>
+  </p:cSld>
+  <p:clrMapOvr>
+    <a:masterClrMapping/>
+  </p:clrMapOvr>
+</p:sld>
+</file>
+
+<file path=ppt/slides/slide22.xml><?xml version="1.0" encoding="utf-8"?>
+<p:sld xmlns:a="http://schemas.openxmlformats.org/drawingml/2006/main" xmlns:r="http://schemas.openxmlformats.org/officeDocument/2006/relationships" xmlns:p="http://schemas.openxmlformats.org/presentationml/2006/main">
+  <p:cSld>
+    <p:spTree>
+      <p:nvGrpSpPr>
+        <p:cNvPr id="1" name=""/>
+        <p:cNvGrpSpPr/>
+        <p:nvPr/>
+      </p:nvGrpSpPr>
+      <p:grpSpPr>
+        <a:xfrm>
+          <a:off x="0" y="0"/>
+          <a:ext cx="0" cy="0"/>
+          <a:chOff x="0" y="0"/>
+          <a:chExt cx="0" cy="0"/>
+        </a:xfrm>
+      </p:grpSpPr>
+      <p:sp>
+        <p:nvSpPr>
+          <p:cNvPr id="2" name="Título 1">
+            <a:extLst>
+              <a:ext uri="{FF2B5EF4-FFF2-40B4-BE49-F238E27FC236}">
+                <a16:creationId xmlns:a16="http://schemas.microsoft.com/office/drawing/2014/main" id="{5A40FE15-D5E1-4DA5-9EB0-6B7399DA744B}"/>
+              </a:ext>
+            </a:extLst>
+          </p:cNvPr>
+          <p:cNvSpPr>
+            <a:spLocks noGrp="1"/>
+          </p:cNvSpPr>
+          <p:nvPr>
+            <p:ph type="title"/>
+          </p:nvPr>
+        </p:nvSpPr>
+        <p:spPr/>
+        <p:txBody>
+          <a:bodyPr/>
+          <a:lstStyle/>
+          <a:p>
+            <a:endParaRPr lang="pt-BR"/>
+          </a:p>
+        </p:txBody>
+      </p:sp>
+      <p:sp>
+        <p:nvSpPr>
+          <p:cNvPr id="3" name="Espaço Reservado para Conteúdo 2">
+            <a:extLst>
+              <a:ext uri="{FF2B5EF4-FFF2-40B4-BE49-F238E27FC236}">
+                <a16:creationId xmlns:a16="http://schemas.microsoft.com/office/drawing/2014/main" id="{28DEBC7B-4AE1-41DA-99F5-64052861ACF8}"/>
+              </a:ext>
+            </a:extLst>
+          </p:cNvPr>
+          <p:cNvSpPr>
+            <a:spLocks noGrp="1"/>
+          </p:cNvSpPr>
+          <p:nvPr>
+            <p:ph idx="1"/>
+          </p:nvPr>
+        </p:nvSpPr>
+        <p:spPr/>
+        <p:txBody>
+          <a:bodyPr/>
+          <a:lstStyle/>
+          <a:p>
+            <a:endParaRPr lang="pt-BR"/>
+          </a:p>
+        </p:txBody>
+      </p:sp>
+      <p:pic>
+        <p:nvPicPr>
+          <p:cNvPr id="4" name="Imagem 3">
+            <a:extLst>
+              <a:ext uri="{FF2B5EF4-FFF2-40B4-BE49-F238E27FC236}">
+                <a16:creationId xmlns:a16="http://schemas.microsoft.com/office/drawing/2014/main" id="{4CEA1E7E-004C-4A17-8F05-F951A77DA303}"/>
+              </a:ext>
+            </a:extLst>
+          </p:cNvPr>
+          <p:cNvPicPr>
+            <a:picLocks noChangeAspect="1"/>
+          </p:cNvPicPr>
+          <p:nvPr/>
+        </p:nvPicPr>
+        <p:blipFill>
+          <a:blip r:embed="rId2"/>
+          <a:stretch>
+            <a:fillRect/>
+          </a:stretch>
+        </p:blipFill>
+        <p:spPr>
+          <a:xfrm>
+            <a:off x="1057275" y="790575"/>
+            <a:ext cx="10077450" cy="5276850"/>
+          </a:xfrm>
+          <a:prstGeom prst="rect">
+            <a:avLst/>
+          </a:prstGeom>
+        </p:spPr>
+      </p:pic>
+    </p:spTree>
+    <p:extLst>
+      <p:ext uri="{BB962C8B-B14F-4D97-AF65-F5344CB8AC3E}">
+        <p14:creationId xmlns:p14="http://schemas.microsoft.com/office/powerpoint/2010/main" val="2800367294"/>
+      </p:ext>
+    </p:extLst>
+  </p:cSld>
+  <p:clrMapOvr>
+    <a:masterClrMapping/>
+  </p:clrMapOvr>
+</p:sld>
+</file>
+
+<file path=ppt/slides/slide23.xml><?xml version="1.0" encoding="utf-8"?>
+<p:sld xmlns:a="http://schemas.openxmlformats.org/drawingml/2006/main" xmlns:r="http://schemas.openxmlformats.org/officeDocument/2006/relationships" xmlns:p="http://schemas.openxmlformats.org/presentationml/2006/main">
+  <p:cSld>
+    <p:spTree>
+      <p:nvGrpSpPr>
+        <p:cNvPr id="1" name=""/>
+        <p:cNvGrpSpPr/>
+        <p:nvPr/>
+      </p:nvGrpSpPr>
+      <p:grpSpPr>
+        <a:xfrm>
+          <a:off x="0" y="0"/>
+          <a:ext cx="0" cy="0"/>
+          <a:chOff x="0" y="0"/>
+          <a:chExt cx="0" cy="0"/>
+        </a:xfrm>
+      </p:grpSpPr>
+      <p:sp>
+        <p:nvSpPr>
+          <p:cNvPr id="2" name="Título 1">
+            <a:extLst>
+              <a:ext uri="{FF2B5EF4-FFF2-40B4-BE49-F238E27FC236}">
+                <a16:creationId xmlns:a16="http://schemas.microsoft.com/office/drawing/2014/main" id="{806A77AB-C772-4AF7-A1AD-82B7A2FAF559}"/>
+              </a:ext>
+            </a:extLst>
+          </p:cNvPr>
+          <p:cNvSpPr>
+            <a:spLocks noGrp="1"/>
+          </p:cNvSpPr>
+          <p:nvPr>
+            <p:ph type="title"/>
+          </p:nvPr>
+        </p:nvSpPr>
+        <p:spPr/>
+        <p:txBody>
+          <a:bodyPr/>
+          <a:lstStyle/>
+          <a:p>
+            <a:endParaRPr lang="pt-BR"/>
+          </a:p>
+        </p:txBody>
+      </p:sp>
+      <p:sp>
+        <p:nvSpPr>
+          <p:cNvPr id="3" name="Espaço Reservado para Conteúdo 2">
+            <a:extLst>
+              <a:ext uri="{FF2B5EF4-FFF2-40B4-BE49-F238E27FC236}">
+                <a16:creationId xmlns:a16="http://schemas.microsoft.com/office/drawing/2014/main" id="{FA97E464-057B-4BA3-836D-C3D1213A5B32}"/>
+              </a:ext>
+            </a:extLst>
+          </p:cNvPr>
+          <p:cNvSpPr>
+            <a:spLocks noGrp="1"/>
+          </p:cNvSpPr>
+          <p:nvPr>
+            <p:ph idx="1"/>
+          </p:nvPr>
+        </p:nvSpPr>
+        <p:spPr/>
+        <p:txBody>
+          <a:bodyPr/>
+          <a:lstStyle/>
+          <a:p>
+            <a:endParaRPr lang="pt-BR"/>
+          </a:p>
+        </p:txBody>
+      </p:sp>
+      <p:pic>
+        <p:nvPicPr>
+          <p:cNvPr id="4" name="Imagem 3">
+            <a:extLst>
+              <a:ext uri="{FF2B5EF4-FFF2-40B4-BE49-F238E27FC236}">
+                <a16:creationId xmlns:a16="http://schemas.microsoft.com/office/drawing/2014/main" id="{0B3D3A1E-E313-4997-944C-488DFEFA33EF}"/>
+              </a:ext>
+            </a:extLst>
+          </p:cNvPr>
+          <p:cNvPicPr>
+            <a:picLocks noChangeAspect="1"/>
+          </p:cNvPicPr>
+          <p:nvPr/>
+        </p:nvPicPr>
+        <p:blipFill>
+          <a:blip r:embed="rId2"/>
+          <a:stretch>
+            <a:fillRect/>
+          </a:stretch>
+        </p:blipFill>
+        <p:spPr>
+          <a:xfrm>
+            <a:off x="1457325" y="552450"/>
+            <a:ext cx="9277350" cy="5753100"/>
+          </a:xfrm>
+          <a:prstGeom prst="rect">
+            <a:avLst/>
+          </a:prstGeom>
+        </p:spPr>
+      </p:pic>
+    </p:spTree>
+    <p:extLst>
+      <p:ext uri="{BB962C8B-B14F-4D97-AF65-F5344CB8AC3E}">
+        <p14:creationId xmlns:p14="http://schemas.microsoft.com/office/powerpoint/2010/main" val="404372270"/>
+      </p:ext>
+    </p:extLst>
+  </p:cSld>
+  <p:clrMapOvr>
+    <a:masterClrMapping/>
+  </p:clrMapOvr>
+</p:sld>
+</file>
+
+<file path=ppt/slides/slide24.xml><?xml version="1.0" encoding="utf-8"?>
+<p:sld xmlns:a="http://schemas.openxmlformats.org/drawingml/2006/main" xmlns:r="http://schemas.openxmlformats.org/officeDocument/2006/relationships" xmlns:p="http://schemas.openxmlformats.org/presentationml/2006/main">
+  <p:cSld>
+    <p:spTree>
+      <p:nvGrpSpPr>
+        <p:cNvPr id="1" name=""/>
+        <p:cNvGrpSpPr/>
+        <p:nvPr/>
+      </p:nvGrpSpPr>
+      <p:grpSpPr>
+        <a:xfrm>
+          <a:off x="0" y="0"/>
+          <a:ext cx="0" cy="0"/>
+          <a:chOff x="0" y="0"/>
+          <a:chExt cx="0" cy="0"/>
+        </a:xfrm>
+      </p:grpSpPr>
+      <p:sp>
+        <p:nvSpPr>
+          <p:cNvPr id="2" name="Título 1">
+            <a:extLst>
+              <a:ext uri="{FF2B5EF4-FFF2-40B4-BE49-F238E27FC236}">
+                <a16:creationId xmlns:a16="http://schemas.microsoft.com/office/drawing/2014/main" id="{72EC00F6-69AF-4BC1-8C2C-6FAE699804D0}"/>
+              </a:ext>
+            </a:extLst>
+          </p:cNvPr>
+          <p:cNvSpPr>
+            <a:spLocks noGrp="1"/>
+          </p:cNvSpPr>
+          <p:nvPr>
+            <p:ph type="title"/>
+          </p:nvPr>
+        </p:nvSpPr>
+        <p:spPr/>
+        <p:txBody>
+          <a:bodyPr/>
+          <a:lstStyle/>
+          <a:p>
+            <a:endParaRPr lang="pt-BR"/>
+          </a:p>
+        </p:txBody>
+      </p:sp>
+      <p:sp>
+        <p:nvSpPr>
+          <p:cNvPr id="3" name="Espaço Reservado para Conteúdo 2">
+            <a:extLst>
+              <a:ext uri="{FF2B5EF4-FFF2-40B4-BE49-F238E27FC236}">
+                <a16:creationId xmlns:a16="http://schemas.microsoft.com/office/drawing/2014/main" id="{96DDFC4D-F6D8-45C9-904F-BED6304FE423}"/>
+              </a:ext>
+            </a:extLst>
+          </p:cNvPr>
+          <p:cNvSpPr>
+            <a:spLocks noGrp="1"/>
+          </p:cNvSpPr>
+          <p:nvPr>
+            <p:ph idx="1"/>
+          </p:nvPr>
+        </p:nvSpPr>
+        <p:spPr/>
+        <p:txBody>
+          <a:bodyPr/>
+          <a:lstStyle/>
+          <a:p>
+            <a:endParaRPr lang="pt-BR"/>
+          </a:p>
+        </p:txBody>
+      </p:sp>
+      <p:pic>
+        <p:nvPicPr>
+          <p:cNvPr id="4" name="Imagem 3">
+            <a:extLst>
+              <a:ext uri="{FF2B5EF4-FFF2-40B4-BE49-F238E27FC236}">
+                <a16:creationId xmlns:a16="http://schemas.microsoft.com/office/drawing/2014/main" id="{BBCB1343-93FD-4A0D-8AD3-0E7C42172592}"/>
+              </a:ext>
+            </a:extLst>
+          </p:cNvPr>
+          <p:cNvPicPr>
+            <a:picLocks noChangeAspect="1"/>
+          </p:cNvPicPr>
+          <p:nvPr/>
+        </p:nvPicPr>
+        <p:blipFill>
+          <a:blip r:embed="rId2"/>
+          <a:stretch>
+            <a:fillRect/>
+          </a:stretch>
+        </p:blipFill>
+        <p:spPr>
+          <a:xfrm>
+            <a:off x="1914525" y="566737"/>
+            <a:ext cx="8362950" cy="5724525"/>
+          </a:xfrm>
+          <a:prstGeom prst="rect">
+            <a:avLst/>
+          </a:prstGeom>
+        </p:spPr>
+      </p:pic>
+    </p:spTree>
+    <p:extLst>
+      <p:ext uri="{BB962C8B-B14F-4D97-AF65-F5344CB8AC3E}">
+        <p14:creationId xmlns:p14="http://schemas.microsoft.com/office/powerpoint/2010/main" val="2450261866"/>
+      </p:ext>
+    </p:extLst>
+  </p:cSld>
+  <p:clrMapOvr>
+    <a:masterClrMapping/>
+  </p:clrMapOvr>
+</p:sld>
+</file>
+
+<file path=ppt/slides/slide25.xml><?xml version="1.0" encoding="utf-8"?>
+<p:sld xmlns:a="http://schemas.openxmlformats.org/drawingml/2006/main" xmlns:r="http://schemas.openxmlformats.org/officeDocument/2006/relationships" xmlns:p="http://schemas.openxmlformats.org/presentationml/2006/main">
+  <p:cSld>
+    <p:spTree>
+      <p:nvGrpSpPr>
+        <p:cNvPr id="1" name=""/>
+        <p:cNvGrpSpPr/>
+        <p:nvPr/>
+      </p:nvGrpSpPr>
+      <p:grpSpPr>
+        <a:xfrm>
+          <a:off x="0" y="0"/>
+          <a:ext cx="0" cy="0"/>
+          <a:chOff x="0" y="0"/>
+          <a:chExt cx="0" cy="0"/>
+        </a:xfrm>
+      </p:grpSpPr>
+      <p:sp>
+        <p:nvSpPr>
+          <p:cNvPr id="2" name="Título 1">
+            <a:extLst>
+              <a:ext uri="{FF2B5EF4-FFF2-40B4-BE49-F238E27FC236}">
+                <a16:creationId xmlns:a16="http://schemas.microsoft.com/office/drawing/2014/main" id="{06F5ADD5-15C4-44F2-9677-4F93A7C880B5}"/>
+              </a:ext>
+            </a:extLst>
+          </p:cNvPr>
+          <p:cNvSpPr>
+            <a:spLocks noGrp="1"/>
+          </p:cNvSpPr>
+          <p:nvPr>
+            <p:ph type="title"/>
+          </p:nvPr>
+        </p:nvSpPr>
+        <p:spPr/>
+        <p:txBody>
+          <a:bodyPr/>
+          <a:lstStyle/>
+          <a:p>
+            <a:endParaRPr lang="pt-BR"/>
+          </a:p>
+        </p:txBody>
+      </p:sp>
+      <p:sp>
+        <p:nvSpPr>
+          <p:cNvPr id="3" name="Espaço Reservado para Conteúdo 2">
+            <a:extLst>
+              <a:ext uri="{FF2B5EF4-FFF2-40B4-BE49-F238E27FC236}">
+                <a16:creationId xmlns:a16="http://schemas.microsoft.com/office/drawing/2014/main" id="{07369B3B-1C87-4B0F-8B6C-0D74897AA70C}"/>
+              </a:ext>
+            </a:extLst>
+          </p:cNvPr>
+          <p:cNvSpPr>
+            <a:spLocks noGrp="1"/>
+          </p:cNvSpPr>
+          <p:nvPr>
+            <p:ph idx="1"/>
+          </p:nvPr>
+        </p:nvSpPr>
+        <p:spPr/>
+        <p:txBody>
+          <a:bodyPr/>
+          <a:lstStyle/>
+          <a:p>
+            <a:endParaRPr lang="pt-BR"/>
+          </a:p>
+        </p:txBody>
+      </p:sp>
+      <p:pic>
+        <p:nvPicPr>
+          <p:cNvPr id="4" name="Imagem 3">
+            <a:extLst>
+              <a:ext uri="{FF2B5EF4-FFF2-40B4-BE49-F238E27FC236}">
+                <a16:creationId xmlns:a16="http://schemas.microsoft.com/office/drawing/2014/main" id="{01519BC2-D7CC-4E52-AC14-568129ADE55C}"/>
+              </a:ext>
+            </a:extLst>
+          </p:cNvPr>
+          <p:cNvPicPr>
+            <a:picLocks noChangeAspect="1"/>
+          </p:cNvPicPr>
+          <p:nvPr/>
+        </p:nvPicPr>
+        <p:blipFill>
+          <a:blip r:embed="rId2"/>
+          <a:stretch>
+            <a:fillRect/>
+          </a:stretch>
+        </p:blipFill>
+        <p:spPr>
+          <a:xfrm>
+            <a:off x="866775" y="1085850"/>
+            <a:ext cx="10458450" cy="4686300"/>
+          </a:xfrm>
+          <a:prstGeom prst="rect">
+            <a:avLst/>
+          </a:prstGeom>
+        </p:spPr>
+      </p:pic>
+    </p:spTree>
+    <p:extLst>
+      <p:ext uri="{BB962C8B-B14F-4D97-AF65-F5344CB8AC3E}">
+        <p14:creationId xmlns:p14="http://schemas.microsoft.com/office/powerpoint/2010/main" val="3341733320"/>
+      </p:ext>
+    </p:extLst>
+  </p:cSld>
+  <p:clrMapOvr>
+    <a:masterClrMapping/>
+  </p:clrMapOvr>
+</p:sld>
+</file>
+
+<file path=ppt/slides/slide26.xml><?xml version="1.0" encoding="utf-8"?>
+<p:sld xmlns:a="http://schemas.openxmlformats.org/drawingml/2006/main" xmlns:r="http://schemas.openxmlformats.org/officeDocument/2006/relationships" xmlns:p="http://schemas.openxmlformats.org/presentationml/2006/main">
+  <p:cSld>
+    <p:spTree>
+      <p:nvGrpSpPr>
+        <p:cNvPr id="1" name=""/>
+        <p:cNvGrpSpPr/>
+        <p:nvPr/>
+      </p:nvGrpSpPr>
+      <p:grpSpPr>
+        <a:xfrm>
+          <a:off x="0" y="0"/>
+          <a:ext cx="0" cy="0"/>
+          <a:chOff x="0" y="0"/>
+          <a:chExt cx="0" cy="0"/>
+        </a:xfrm>
+      </p:grpSpPr>
+      <p:sp>
+        <p:nvSpPr>
+          <p:cNvPr id="2" name="Título 1">
+            <a:extLst>
+              <a:ext uri="{FF2B5EF4-FFF2-40B4-BE49-F238E27FC236}">
+                <a16:creationId xmlns:a16="http://schemas.microsoft.com/office/drawing/2014/main" id="{005E5FF2-2274-463B-9945-75AD6D9CE20B}"/>
+              </a:ext>
+            </a:extLst>
+          </p:cNvPr>
+          <p:cNvSpPr>
+            <a:spLocks noGrp="1"/>
+          </p:cNvSpPr>
+          <p:nvPr>
+            <p:ph type="title"/>
+          </p:nvPr>
+        </p:nvSpPr>
+        <p:spPr/>
+        <p:txBody>
+          <a:bodyPr/>
+          <a:lstStyle/>
+          <a:p>
+            <a:endParaRPr lang="pt-BR"/>
+          </a:p>
+        </p:txBody>
+      </p:sp>
+      <p:sp>
+        <p:nvSpPr>
+          <p:cNvPr id="3" name="Espaço Reservado para Conteúdo 2">
+            <a:extLst>
+              <a:ext uri="{FF2B5EF4-FFF2-40B4-BE49-F238E27FC236}">
+                <a16:creationId xmlns:a16="http://schemas.microsoft.com/office/drawing/2014/main" id="{0C10E155-7C4D-4F0B-B24E-AD99267FC2EE}"/>
+              </a:ext>
+            </a:extLst>
+          </p:cNvPr>
+          <p:cNvSpPr>
+            <a:spLocks noGrp="1"/>
+          </p:cNvSpPr>
+          <p:nvPr>
+            <p:ph idx="1"/>
+          </p:nvPr>
+        </p:nvSpPr>
+        <p:spPr/>
+        <p:txBody>
+          <a:bodyPr/>
+          <a:lstStyle/>
+          <a:p>
+            <a:endParaRPr lang="pt-BR"/>
+          </a:p>
+        </p:txBody>
+      </p:sp>
+      <p:pic>
+        <p:nvPicPr>
+          <p:cNvPr id="4" name="Imagem 3">
+            <a:extLst>
+              <a:ext uri="{FF2B5EF4-FFF2-40B4-BE49-F238E27FC236}">
+                <a16:creationId xmlns:a16="http://schemas.microsoft.com/office/drawing/2014/main" id="{84B1A9B9-C791-4AEA-B83C-5CDD172B1073}"/>
+              </a:ext>
+            </a:extLst>
+          </p:cNvPr>
+          <p:cNvPicPr>
+            <a:picLocks noChangeAspect="1"/>
+          </p:cNvPicPr>
+          <p:nvPr/>
+        </p:nvPicPr>
+        <p:blipFill>
+          <a:blip r:embed="rId2"/>
+          <a:stretch>
+            <a:fillRect/>
+          </a:stretch>
+        </p:blipFill>
+        <p:spPr>
+          <a:xfrm>
+            <a:off x="1319212" y="547687"/>
+            <a:ext cx="9553575" cy="5762625"/>
+          </a:xfrm>
+          <a:prstGeom prst="rect">
+            <a:avLst/>
+          </a:prstGeom>
+        </p:spPr>
+      </p:pic>
+    </p:spTree>
+    <p:extLst>
+      <p:ext uri="{BB962C8B-B14F-4D97-AF65-F5344CB8AC3E}">
+        <p14:creationId xmlns:p14="http://schemas.microsoft.com/office/powerpoint/2010/main" val="2245358834"/>
+      </p:ext>
+    </p:extLst>
+  </p:cSld>
+  <p:clrMapOvr>
+    <a:masterClrMapping/>
+  </p:clrMapOvr>
+</p:sld>
+</file>
+
+<file path=ppt/slides/slide27.xml><?xml version="1.0" encoding="utf-8"?>
+<p:sld xmlns:a="http://schemas.openxmlformats.org/drawingml/2006/main" xmlns:r="http://schemas.openxmlformats.org/officeDocument/2006/relationships" xmlns:p="http://schemas.openxmlformats.org/presentationml/2006/main">
+  <p:cSld>
+    <p:spTree>
+      <p:nvGrpSpPr>
+        <p:cNvPr id="1" name=""/>
+        <p:cNvGrpSpPr/>
+        <p:nvPr/>
+      </p:nvGrpSpPr>
+      <p:grpSpPr>
+        <a:xfrm>
+          <a:off x="0" y="0"/>
+          <a:ext cx="0" cy="0"/>
+          <a:chOff x="0" y="0"/>
+          <a:chExt cx="0" cy="0"/>
+        </a:xfrm>
+      </p:grpSpPr>
+      <p:sp>
+        <p:nvSpPr>
+          <p:cNvPr id="2" name="Título 1">
+            <a:extLst>
+              <a:ext uri="{FF2B5EF4-FFF2-40B4-BE49-F238E27FC236}">
+                <a16:creationId xmlns:a16="http://schemas.microsoft.com/office/drawing/2014/main" id="{DCBF4F4E-7D43-4967-B4EB-FA7F6A9A47A2}"/>
+              </a:ext>
+            </a:extLst>
+          </p:cNvPr>
+          <p:cNvSpPr>
+            <a:spLocks noGrp="1"/>
+          </p:cNvSpPr>
+          <p:nvPr>
+            <p:ph type="title"/>
+          </p:nvPr>
+        </p:nvSpPr>
+        <p:spPr/>
+        <p:txBody>
+          <a:bodyPr/>
+          <a:lstStyle/>
+          <a:p>
+            <a:endParaRPr lang="pt-BR"/>
+          </a:p>
+        </p:txBody>
+      </p:sp>
+      <p:sp>
+        <p:nvSpPr>
+          <p:cNvPr id="3" name="Espaço Reservado para Conteúdo 2">
+            <a:extLst>
+              <a:ext uri="{FF2B5EF4-FFF2-40B4-BE49-F238E27FC236}">
+                <a16:creationId xmlns:a16="http://schemas.microsoft.com/office/drawing/2014/main" id="{390675E1-17DA-421B-A446-C89AE0AFFC9D}"/>
+              </a:ext>
+            </a:extLst>
+          </p:cNvPr>
+          <p:cNvSpPr>
+            <a:spLocks noGrp="1"/>
+          </p:cNvSpPr>
+          <p:nvPr>
+            <p:ph idx="1"/>
+          </p:nvPr>
+        </p:nvSpPr>
+        <p:spPr/>
+        <p:txBody>
+          <a:bodyPr/>
+          <a:lstStyle/>
+          <a:p>
+            <a:endParaRPr lang="pt-BR"/>
+          </a:p>
+        </p:txBody>
+      </p:sp>
+      <p:pic>
+        <p:nvPicPr>
+          <p:cNvPr id="4" name="Imagem 3">
+            <a:extLst>
+              <a:ext uri="{FF2B5EF4-FFF2-40B4-BE49-F238E27FC236}">
+                <a16:creationId xmlns:a16="http://schemas.microsoft.com/office/drawing/2014/main" id="{A4D5FB9C-DDD5-4A5F-BC7D-82059F28BE01}"/>
+              </a:ext>
+            </a:extLst>
+          </p:cNvPr>
+          <p:cNvPicPr>
+            <a:picLocks noChangeAspect="1"/>
+          </p:cNvPicPr>
+          <p:nvPr/>
+        </p:nvPicPr>
+        <p:blipFill>
+          <a:blip r:embed="rId2"/>
+          <a:stretch>
+            <a:fillRect/>
+          </a:stretch>
+        </p:blipFill>
+        <p:spPr>
+          <a:xfrm>
+            <a:off x="928687" y="733425"/>
+            <a:ext cx="10334625" cy="5391150"/>
+          </a:xfrm>
+          <a:prstGeom prst="rect">
+            <a:avLst/>
+          </a:prstGeom>
+        </p:spPr>
+      </p:pic>
+    </p:spTree>
+    <p:extLst>
+      <p:ext uri="{BB962C8B-B14F-4D97-AF65-F5344CB8AC3E}">
+        <p14:creationId xmlns:p14="http://schemas.microsoft.com/office/powerpoint/2010/main" val="1657082526"/>
+      </p:ext>
+    </p:extLst>
+  </p:cSld>
+  <p:clrMapOvr>
+    <a:masterClrMapping/>
+  </p:clrMapOvr>
+</p:sld>
+</file>
+
+<file path=ppt/slides/slide28.xml><?xml version="1.0" encoding="utf-8"?>
+<p:sld xmlns:a="http://schemas.openxmlformats.org/drawingml/2006/main" xmlns:r="http://schemas.openxmlformats.org/officeDocument/2006/relationships" xmlns:p="http://schemas.openxmlformats.org/presentationml/2006/main">
+  <p:cSld>
+    <p:spTree>
+      <p:nvGrpSpPr>
+        <p:cNvPr id="1" name=""/>
+        <p:cNvGrpSpPr/>
+        <p:nvPr/>
+      </p:nvGrpSpPr>
+      <p:grpSpPr>
+        <a:xfrm>
+          <a:off x="0" y="0"/>
+          <a:ext cx="0" cy="0"/>
+          <a:chOff x="0" y="0"/>
+          <a:chExt cx="0" cy="0"/>
+        </a:xfrm>
+      </p:grpSpPr>
+      <p:sp>
+        <p:nvSpPr>
+          <p:cNvPr id="2" name="Título 1">
+            <a:extLst>
+              <a:ext uri="{FF2B5EF4-FFF2-40B4-BE49-F238E27FC236}">
+                <a16:creationId xmlns:a16="http://schemas.microsoft.com/office/drawing/2014/main" id="{3381956B-156D-4B17-9E3B-4D3A9116D5CB}"/>
+              </a:ext>
+            </a:extLst>
+          </p:cNvPr>
+          <p:cNvSpPr>
+            <a:spLocks noGrp="1"/>
+          </p:cNvSpPr>
+          <p:nvPr>
+            <p:ph type="title"/>
+          </p:nvPr>
+        </p:nvSpPr>
+        <p:spPr/>
+        <p:txBody>
+          <a:bodyPr/>
+          <a:lstStyle/>
+          <a:p>
+            <a:endParaRPr lang="pt-BR"/>
+          </a:p>
+        </p:txBody>
+      </p:sp>
+      <p:sp>
+        <p:nvSpPr>
+          <p:cNvPr id="3" name="Espaço Reservado para Conteúdo 2">
+            <a:extLst>
+              <a:ext uri="{FF2B5EF4-FFF2-40B4-BE49-F238E27FC236}">
+                <a16:creationId xmlns:a16="http://schemas.microsoft.com/office/drawing/2014/main" id="{8FFA842A-A0D0-4245-9F3D-D1D1D32F8F0D}"/>
+              </a:ext>
+            </a:extLst>
+          </p:cNvPr>
+          <p:cNvSpPr>
+            <a:spLocks noGrp="1"/>
+          </p:cNvSpPr>
+          <p:nvPr>
+            <p:ph idx="1"/>
+          </p:nvPr>
+        </p:nvSpPr>
+        <p:spPr/>
+        <p:txBody>
+          <a:bodyPr/>
+          <a:lstStyle/>
+          <a:p>
+            <a:endParaRPr lang="pt-BR"/>
+          </a:p>
+        </p:txBody>
+      </p:sp>
+      <p:pic>
+        <p:nvPicPr>
+          <p:cNvPr id="4" name="Imagem 3">
+            <a:extLst>
+              <a:ext uri="{FF2B5EF4-FFF2-40B4-BE49-F238E27FC236}">
+                <a16:creationId xmlns:a16="http://schemas.microsoft.com/office/drawing/2014/main" id="{8F46F6B6-2644-49AF-BD44-0D34031715F0}"/>
+              </a:ext>
+            </a:extLst>
+          </p:cNvPr>
+          <p:cNvPicPr>
+            <a:picLocks noChangeAspect="1"/>
+          </p:cNvPicPr>
+          <p:nvPr/>
+        </p:nvPicPr>
+        <p:blipFill>
+          <a:blip r:embed="rId2"/>
+          <a:stretch>
+            <a:fillRect/>
+          </a:stretch>
+        </p:blipFill>
+        <p:spPr>
+          <a:xfrm>
+            <a:off x="1066800" y="571500"/>
+            <a:ext cx="10058400" cy="5715000"/>
+          </a:xfrm>
+          <a:prstGeom prst="rect">
+            <a:avLst/>
+          </a:prstGeom>
+        </p:spPr>
+      </p:pic>
+    </p:spTree>
+    <p:extLst>
+      <p:ext uri="{BB962C8B-B14F-4D97-AF65-F5344CB8AC3E}">
+        <p14:creationId xmlns:p14="http://schemas.microsoft.com/office/powerpoint/2010/main" val="3620459031"/>
+      </p:ext>
+    </p:extLst>
+  </p:cSld>
+  <p:clrMapOvr>
+    <a:masterClrMapping/>
+  </p:clrMapOvr>
+</p:sld>
+</file>
+
 <file path=ppt/slides/slide3.xml><?xml version="1.0" encoding="utf-8"?>
 <p:sld xmlns:a="http://schemas.openxmlformats.org/drawingml/2006/main" xmlns:r="http://schemas.openxmlformats.org/officeDocument/2006/relationships" xmlns:p="http://schemas.openxmlformats.org/presentationml/2006/main">
   <p:cSld>
@@ -4847,8 +5735,8 @@
         </p:blipFill>
         <p:spPr>
           <a:xfrm>
-            <a:off x="766762" y="628650"/>
-            <a:ext cx="10658475" cy="5600700"/>
+            <a:off x="0" y="0"/>
+            <a:ext cx="12192000" cy="6858000"/>
           </a:xfrm>
           <a:prstGeom prst="rect">
             <a:avLst/>
@@ -4957,8 +5845,8 @@
         </p:blipFill>
         <p:spPr>
           <a:xfrm>
-            <a:off x="652462" y="571500"/>
-            <a:ext cx="10887075" cy="5715000"/>
+            <a:off x="0" y="0"/>
+            <a:ext cx="12192000" cy="6858000"/>
           </a:xfrm>
           <a:prstGeom prst="rect">
             <a:avLst/>
@@ -5067,8 +5955,8 @@
         </p:blipFill>
         <p:spPr>
           <a:xfrm>
-            <a:off x="709612" y="566737"/>
-            <a:ext cx="10772775" cy="5724525"/>
+            <a:off x="0" y="0"/>
+            <a:ext cx="12192000" cy="6858000"/>
           </a:xfrm>
           <a:prstGeom prst="rect">
             <a:avLst/>
@@ -5177,8 +6065,8 @@
         </p:blipFill>
         <p:spPr>
           <a:xfrm>
-            <a:off x="276225" y="828675"/>
-            <a:ext cx="11639550" cy="5200650"/>
+            <a:off x="0" y="0"/>
+            <a:ext cx="12192000" cy="6858000"/>
           </a:xfrm>
           <a:prstGeom prst="rect">
             <a:avLst/>
@@ -5321,8 +6209,8 @@
         </p:blipFill>
         <p:spPr>
           <a:xfrm>
-            <a:off x="885825" y="800100"/>
-            <a:ext cx="10420350" cy="5257800"/>
+            <a:off x="0" y="0"/>
+            <a:ext cx="12192000" cy="6858000"/>
           </a:xfrm>
           <a:prstGeom prst="rect">
             <a:avLst/>
@@ -5431,8 +6319,8 @@
         </p:blipFill>
         <p:spPr>
           <a:xfrm>
-            <a:off x="1081087" y="881062"/>
-            <a:ext cx="10029825" cy="5095875"/>
+            <a:off x="0" y="0"/>
+            <a:ext cx="12192000" cy="6858000"/>
           </a:xfrm>
           <a:prstGeom prst="rect">
             <a:avLst/>
@@ -5541,8 +6429,8 @@
         </p:blipFill>
         <p:spPr>
           <a:xfrm>
-            <a:off x="309562" y="885825"/>
-            <a:ext cx="11572875" cy="5086350"/>
+            <a:off x="0" y="0"/>
+            <a:ext cx="12192000" cy="6858000"/>
           </a:xfrm>
           <a:prstGeom prst="rect">
             <a:avLst/>
